--- a/Лекции/Проблема конфиденциальности данных при использовании ML.pptx
+++ b/Лекции/Проблема конфиденциальности данных при использовании ML.pptx
@@ -223,7 +223,7 @@
           <a:p>
             <a:fld id="{07467A74-FEEF-45B0-ABD3-14EA22804807}" type="datetimeFigureOut">
               <a:rPr lang="ru-RU" smtClean="0"/>
-              <a:t>22.12.2021</a:t>
+              <a:t>24.12.2021</a:t>
             </a:fld>
             <a:endParaRPr lang="ru-RU"/>
           </a:p>
@@ -6269,7 +6269,7 @@
           <a:p>
             <a:fld id="{44AC4E9E-3BE5-4665-BAE6-72CA507E8656}" type="datetimeFigureOut">
               <a:rPr lang="ru-RU" smtClean="0"/>
-              <a:t>22.12.2021</a:t>
+              <a:t>24.12.2021</a:t>
             </a:fld>
             <a:endParaRPr lang="ru-RU"/>
           </a:p>
@@ -6437,7 +6437,7 @@
           <a:p>
             <a:fld id="{44AC4E9E-3BE5-4665-BAE6-72CA507E8656}" type="datetimeFigureOut">
               <a:rPr lang="ru-RU" smtClean="0"/>
-              <a:t>22.12.2021</a:t>
+              <a:t>24.12.2021</a:t>
             </a:fld>
             <a:endParaRPr lang="ru-RU"/>
           </a:p>
@@ -6615,7 +6615,7 @@
           <a:p>
             <a:fld id="{44AC4E9E-3BE5-4665-BAE6-72CA507E8656}" type="datetimeFigureOut">
               <a:rPr lang="ru-RU" smtClean="0"/>
-              <a:t>22.12.2021</a:t>
+              <a:t>24.12.2021</a:t>
             </a:fld>
             <a:endParaRPr lang="ru-RU"/>
           </a:p>
@@ -6783,7 +6783,7 @@
           <a:p>
             <a:fld id="{44AC4E9E-3BE5-4665-BAE6-72CA507E8656}" type="datetimeFigureOut">
               <a:rPr lang="ru-RU" smtClean="0"/>
-              <a:t>22.12.2021</a:t>
+              <a:t>24.12.2021</a:t>
             </a:fld>
             <a:endParaRPr lang="ru-RU"/>
           </a:p>
@@ -7028,7 +7028,7 @@
           <a:p>
             <a:fld id="{44AC4E9E-3BE5-4665-BAE6-72CA507E8656}" type="datetimeFigureOut">
               <a:rPr lang="ru-RU" smtClean="0"/>
-              <a:t>22.12.2021</a:t>
+              <a:t>24.12.2021</a:t>
             </a:fld>
             <a:endParaRPr lang="ru-RU"/>
           </a:p>
@@ -7257,7 +7257,7 @@
           <a:p>
             <a:fld id="{44AC4E9E-3BE5-4665-BAE6-72CA507E8656}" type="datetimeFigureOut">
               <a:rPr lang="ru-RU" smtClean="0"/>
-              <a:t>22.12.2021</a:t>
+              <a:t>24.12.2021</a:t>
             </a:fld>
             <a:endParaRPr lang="ru-RU"/>
           </a:p>
@@ -7621,7 +7621,7 @@
           <a:p>
             <a:fld id="{44AC4E9E-3BE5-4665-BAE6-72CA507E8656}" type="datetimeFigureOut">
               <a:rPr lang="ru-RU" smtClean="0"/>
-              <a:t>22.12.2021</a:t>
+              <a:t>24.12.2021</a:t>
             </a:fld>
             <a:endParaRPr lang="ru-RU"/>
           </a:p>
@@ -7738,7 +7738,7 @@
           <a:p>
             <a:fld id="{44AC4E9E-3BE5-4665-BAE6-72CA507E8656}" type="datetimeFigureOut">
               <a:rPr lang="ru-RU" smtClean="0"/>
-              <a:t>22.12.2021</a:t>
+              <a:t>24.12.2021</a:t>
             </a:fld>
             <a:endParaRPr lang="ru-RU"/>
           </a:p>
@@ -7833,7 +7833,7 @@
           <a:p>
             <a:fld id="{44AC4E9E-3BE5-4665-BAE6-72CA507E8656}" type="datetimeFigureOut">
               <a:rPr lang="ru-RU" smtClean="0"/>
-              <a:t>22.12.2021</a:t>
+              <a:t>24.12.2021</a:t>
             </a:fld>
             <a:endParaRPr lang="ru-RU"/>
           </a:p>
@@ -8108,7 +8108,7 @@
           <a:p>
             <a:fld id="{44AC4E9E-3BE5-4665-BAE6-72CA507E8656}" type="datetimeFigureOut">
               <a:rPr lang="ru-RU" smtClean="0"/>
-              <a:t>22.12.2021</a:t>
+              <a:t>24.12.2021</a:t>
             </a:fld>
             <a:endParaRPr lang="ru-RU"/>
           </a:p>
@@ -8360,7 +8360,7 @@
           <a:p>
             <a:fld id="{44AC4E9E-3BE5-4665-BAE6-72CA507E8656}" type="datetimeFigureOut">
               <a:rPr lang="ru-RU" smtClean="0"/>
-              <a:t>22.12.2021</a:t>
+              <a:t>24.12.2021</a:t>
             </a:fld>
             <a:endParaRPr lang="ru-RU"/>
           </a:p>
@@ -8571,7 +8571,7 @@
           <a:p>
             <a:fld id="{44AC4E9E-3BE5-4665-BAE6-72CA507E8656}" type="datetimeFigureOut">
               <a:rPr lang="ru-RU" smtClean="0"/>
-              <a:t>22.12.2021</a:t>
+              <a:t>24.12.2021</a:t>
             </a:fld>
             <a:endParaRPr lang="ru-RU"/>
           </a:p>
@@ -9016,8 +9016,8 @@
         </p:nvSpPr>
         <p:spPr>
           <a:xfrm>
-            <a:off x="952052" y="1858063"/>
-            <a:ext cx="9207948" cy="3452287"/>
+            <a:off x="793556" y="2101903"/>
+            <a:ext cx="7862764" cy="3175287"/>
           </a:xfrm>
           <a:prstGeom prst="rect">
             <a:avLst/>
@@ -9053,7 +9053,7 @@
               </a:lnSpc>
             </a:pPr>
             <a:r>
-              <a:rPr lang="ru-RU" altLang="ru-RU" sz="5400" b="1" cap="all" dirty="0">
+              <a:rPr lang="ru-RU" altLang="ru-RU" b="1" cap="all" dirty="0">
                 <a:solidFill>
                   <a:schemeClr val="bg1"/>
                 </a:solidFill>
@@ -10132,7 +10132,7 @@
         </p:nvSpPr>
         <p:spPr>
           <a:xfrm>
-            <a:off x="1946032" y="257088"/>
+            <a:off x="2421520" y="248224"/>
             <a:ext cx="8441168" cy="461665"/>
           </a:xfrm>
           <a:prstGeom prst="rect">
@@ -10335,7 +10335,7 @@
         <p:spPr>
           <a:xfrm>
             <a:off x="259068" y="1066977"/>
-            <a:ext cx="11318264" cy="2616101"/>
+            <a:ext cx="11318264" cy="2246769"/>
           </a:xfrm>
           <a:prstGeom prst="rect">
             <a:avLst/>
@@ -10349,21 +10349,19 @@
           <a:p>
             <a:pPr algn="just"/>
             <a:r>
-              <a:rPr lang="ru-RU" sz="2400" dirty="0">
-                <a:ea typeface="Tahoma" panose="020B0604030504040204" pitchFamily="34" charset="0"/>
-                <a:cs typeface="Tahoma" panose="020B0604030504040204" pitchFamily="34" charset="0"/>
-              </a:rPr>
-              <a:t>2017г. </a:t>
-            </a:r>
-            <a:r>
               <a:rPr lang="en-US" sz="2400" dirty="0">
                 <a:ea typeface="Tahoma" panose="020B0604030504040204" pitchFamily="34" charset="0"/>
                 <a:cs typeface="Tahoma" panose="020B0604030504040204" pitchFamily="34" charset="0"/>
               </a:rPr>
               <a:t>Google</a:t>
             </a:r>
-          </a:p>
-          <a:p>
+            <a:r>
+              <a:rPr lang="ru-RU" sz="2400" dirty="0">
+                <a:ea typeface="Tahoma" panose="020B0604030504040204" pitchFamily="34" charset="0"/>
+                <a:cs typeface="Tahoma" panose="020B0604030504040204" pitchFamily="34" charset="0"/>
+              </a:rPr>
+              <a:t>, 2017 год: </a:t>
+            </a:r>
             <a:r>
               <a:rPr lang="ru-RU" sz="2400" dirty="0"/>
               <a:t>«что если вместо сбора данных в одном месте, попытаться перенести модель в данные?»</a:t>
@@ -10379,7 +10377,15 @@
           <a:p>
             <a:r>
               <a:rPr lang="ru-RU" sz="2400" b="1" dirty="0"/>
-              <a:t>Федеративное обучение</a:t>
+              <a:t>Федеративное обучение (</a:t>
+            </a:r>
+            <a:r>
+              <a:rPr lang="en-US" sz="2400" b="1" dirty="0"/>
+              <a:t>Federated Learning, FL</a:t>
+            </a:r>
+            <a:r>
+              <a:rPr lang="ru-RU" sz="2400" b="1" dirty="0"/>
+              <a:t>)</a:t>
             </a:r>
             <a:r>
               <a:rPr lang="ru-RU" sz="2400" dirty="0"/>
@@ -15924,7 +15930,7 @@
           </a:bodyPr>
           <a:lstStyle/>
           <a:p>
-            <a:pPr marL="457200" indent="-457200" algn="just">
+            <a:pPr marL="457200" indent="-457200">
               <a:buAutoNum type="arabicPeriod"/>
             </a:pPr>
             <a:r>
@@ -15936,7 +15942,7 @@
             </a:r>
           </a:p>
           <a:p>
-            <a:pPr marL="457200" indent="-457200" algn="just">
+            <a:pPr marL="457200" indent="-457200">
               <a:buAutoNum type="arabicPeriod"/>
             </a:pPr>
             <a:r>
@@ -15948,7 +15954,7 @@
             </a:r>
           </a:p>
           <a:p>
-            <a:pPr marL="457200" indent="-457200" algn="just">
+            <a:pPr marL="457200" indent="-457200">
               <a:buAutoNum type="arabicPeriod"/>
             </a:pPr>
             <a:r>
@@ -15960,7 +15966,7 @@
             </a:r>
           </a:p>
           <a:p>
-            <a:pPr marL="457200" indent="-457200" algn="just">
+            <a:pPr marL="457200" indent="-457200">
               <a:buAutoNum type="arabicPeriod"/>
             </a:pPr>
             <a:r>
@@ -15972,7 +15978,7 @@
             </a:r>
           </a:p>
           <a:p>
-            <a:pPr marL="457200" indent="-457200" algn="just">
+            <a:pPr marL="457200" indent="-457200">
               <a:buAutoNum type="arabicPeriod"/>
             </a:pPr>
             <a:r>
@@ -15984,7 +15990,7 @@
             </a:r>
           </a:p>
           <a:p>
-            <a:pPr marL="914400" lvl="1" indent="-457200" algn="just">
+            <a:pPr marL="914400" lvl="1" indent="-457200">
               <a:buFont typeface="Arial" panose="020B0604020202020204" pitchFamily="34" charset="0"/>
               <a:buChar char="•"/>
             </a:pPr>
@@ -16001,7 +16007,7 @@
             </a:endParaRPr>
           </a:p>
           <a:p>
-            <a:pPr marL="914400" lvl="1" indent="-457200" algn="just">
+            <a:pPr marL="914400" lvl="1" indent="-457200">
               <a:buFont typeface="Arial" panose="020B0604020202020204" pitchFamily="34" charset="0"/>
               <a:buChar char="•"/>
             </a:pPr>
@@ -16014,7 +16020,7 @@
             </a:r>
           </a:p>
           <a:p>
-            <a:pPr marL="914400" lvl="1" indent="-457200" algn="just">
+            <a:pPr marL="914400" lvl="1" indent="-457200">
               <a:buFont typeface="Arial" panose="020B0604020202020204" pitchFamily="34" charset="0"/>
               <a:buChar char="•"/>
             </a:pPr>
@@ -16034,7 +16040,7 @@
             </a:r>
           </a:p>
           <a:p>
-            <a:pPr marL="457200" indent="-457200" algn="just">
+            <a:pPr marL="457200" indent="-457200">
               <a:buFont typeface="+mj-lt"/>
               <a:buAutoNum type="arabicPeriod" startAt="6"/>
             </a:pPr>
@@ -34871,8 +34877,8 @@
         </p:nvSpPr>
         <p:spPr>
           <a:xfrm>
-            <a:off x="8903982" y="4540778"/>
-            <a:ext cx="2876550" cy="1938992"/>
+            <a:off x="8122291" y="4571304"/>
+            <a:ext cx="3460750" cy="1077218"/>
           </a:xfrm>
           <a:prstGeom prst="rect">
             <a:avLst/>
@@ -34886,7 +34892,7 @@
           <a:p>
             <a:pPr algn="just"/>
             <a:r>
-              <a:rPr lang="ru-RU" sz="2000" dirty="0">
+              <a:rPr lang="ru-RU" sz="1600" dirty="0">
                 <a:ea typeface="Tahoma" panose="020B0604030504040204" pitchFamily="34" charset="0"/>
                 <a:cs typeface="Tahoma" panose="020B0604030504040204" pitchFamily="34" charset="0"/>
               </a:rPr>
